--- a/docs/diagrams/AddReservationActivityDiagram.pptx
+++ b/docs/diagrams/AddReservationActivityDiagram.pptx
@@ -4203,12 +4203,8 @@
           <a:p>
             <a:pPr algn="ctr"/>
             <a:r>
-              <a:rPr lang="en-SG" sz="1600" dirty="0" err="1"/>
-              <a:t>AddReservationCommandParser</a:t>
-            </a:r>
-            <a:r>
               <a:rPr lang="en-SG" sz="1600" dirty="0"/>
-              <a:t> parses and check user input</a:t>
+              <a:t>AddReservationCommandParser parses and check user input</a:t>
             </a:r>
           </a:p>
         </p:txBody>

--- a/docs/diagrams/AddReservationActivityDiagram.pptx
+++ b/docs/diagrams/AddReservationActivityDiagram.pptx
@@ -261,7 +261,7 @@
           <a:p>
             <a:fld id="{542F47FF-5056-41FF-A1F8-23A414798AA4}" type="datetimeFigureOut">
               <a:rPr lang="en-SG" smtClean="0"/>
-              <a:t>10/11/2018</a:t>
+              <a:t>11/11/2018</a:t>
             </a:fld>
             <a:endParaRPr lang="en-SG"/>
           </a:p>
@@ -461,7 +461,7 @@
           <a:p>
             <a:fld id="{542F47FF-5056-41FF-A1F8-23A414798AA4}" type="datetimeFigureOut">
               <a:rPr lang="en-SG" smtClean="0"/>
-              <a:t>10/11/2018</a:t>
+              <a:t>11/11/2018</a:t>
             </a:fld>
             <a:endParaRPr lang="en-SG"/>
           </a:p>
@@ -671,7 +671,7 @@
           <a:p>
             <a:fld id="{542F47FF-5056-41FF-A1F8-23A414798AA4}" type="datetimeFigureOut">
               <a:rPr lang="en-SG" smtClean="0"/>
-              <a:t>10/11/2018</a:t>
+              <a:t>11/11/2018</a:t>
             </a:fld>
             <a:endParaRPr lang="en-SG"/>
           </a:p>
@@ -871,7 +871,7 @@
           <a:p>
             <a:fld id="{542F47FF-5056-41FF-A1F8-23A414798AA4}" type="datetimeFigureOut">
               <a:rPr lang="en-SG" smtClean="0"/>
-              <a:t>10/11/2018</a:t>
+              <a:t>11/11/2018</a:t>
             </a:fld>
             <a:endParaRPr lang="en-SG"/>
           </a:p>
@@ -1147,7 +1147,7 @@
           <a:p>
             <a:fld id="{542F47FF-5056-41FF-A1F8-23A414798AA4}" type="datetimeFigureOut">
               <a:rPr lang="en-SG" smtClean="0"/>
-              <a:t>10/11/2018</a:t>
+              <a:t>11/11/2018</a:t>
             </a:fld>
             <a:endParaRPr lang="en-SG"/>
           </a:p>
@@ -1415,7 +1415,7 @@
           <a:p>
             <a:fld id="{542F47FF-5056-41FF-A1F8-23A414798AA4}" type="datetimeFigureOut">
               <a:rPr lang="en-SG" smtClean="0"/>
-              <a:t>10/11/2018</a:t>
+              <a:t>11/11/2018</a:t>
             </a:fld>
             <a:endParaRPr lang="en-SG"/>
           </a:p>
@@ -1830,7 +1830,7 @@
           <a:p>
             <a:fld id="{542F47FF-5056-41FF-A1F8-23A414798AA4}" type="datetimeFigureOut">
               <a:rPr lang="en-SG" smtClean="0"/>
-              <a:t>10/11/2018</a:t>
+              <a:t>11/11/2018</a:t>
             </a:fld>
             <a:endParaRPr lang="en-SG"/>
           </a:p>
@@ -1972,7 +1972,7 @@
           <a:p>
             <a:fld id="{542F47FF-5056-41FF-A1F8-23A414798AA4}" type="datetimeFigureOut">
               <a:rPr lang="en-SG" smtClean="0"/>
-              <a:t>10/11/2018</a:t>
+              <a:t>11/11/2018</a:t>
             </a:fld>
             <a:endParaRPr lang="en-SG"/>
           </a:p>
@@ -2085,7 +2085,7 @@
           <a:p>
             <a:fld id="{542F47FF-5056-41FF-A1F8-23A414798AA4}" type="datetimeFigureOut">
               <a:rPr lang="en-SG" smtClean="0"/>
-              <a:t>10/11/2018</a:t>
+              <a:t>11/11/2018</a:t>
             </a:fld>
             <a:endParaRPr lang="en-SG"/>
           </a:p>
@@ -2398,7 +2398,7 @@
           <a:p>
             <a:fld id="{542F47FF-5056-41FF-A1F8-23A414798AA4}" type="datetimeFigureOut">
               <a:rPr lang="en-SG" smtClean="0"/>
-              <a:t>10/11/2018</a:t>
+              <a:t>11/11/2018</a:t>
             </a:fld>
             <a:endParaRPr lang="en-SG"/>
           </a:p>
@@ -2687,7 +2687,7 @@
           <a:p>
             <a:fld id="{542F47FF-5056-41FF-A1F8-23A414798AA4}" type="datetimeFigureOut">
               <a:rPr lang="en-SG" smtClean="0"/>
-              <a:t>10/11/2018</a:t>
+              <a:t>11/11/2018</a:t>
             </a:fld>
             <a:endParaRPr lang="en-SG"/>
           </a:p>
@@ -2930,7 +2930,7 @@
           <a:p>
             <a:fld id="{542F47FF-5056-41FF-A1F8-23A414798AA4}" type="datetimeFigureOut">
               <a:rPr lang="en-SG" smtClean="0"/>
-              <a:t>10/11/2018</a:t>
+              <a:t>11/11/2018</a:t>
             </a:fld>
             <a:endParaRPr lang="en-SG"/>
           </a:p>
@@ -4092,15 +4092,7 @@
             <a:pPr algn="ctr"/>
             <a:r>
               <a:rPr lang="en-SG" sz="1801" dirty="0"/>
-              <a:t>Throws </a:t>
-            </a:r>
-            <a:r>
-              <a:rPr lang="en-SG" sz="1801" dirty="0" err="1"/>
-              <a:t>ParseException</a:t>
-            </a:r>
-            <a:r>
-              <a:rPr lang="en-SG" sz="1801" dirty="0"/>
-              <a:t> </a:t>
+              <a:t>Throws ParseException </a:t>
             </a:r>
           </a:p>
         </p:txBody>
